--- a/pmgmt/Pow015.ACPI.Overview.pptx
+++ b/pmgmt/Pow015.ACPI.Overview.pptx
@@ -240,7 +240,7 @@
             <a:fld id="{91AA33BB-5012-4FA9-BC94-2423B0F96BF0}" type="datetimeFigureOut">
               <a:rPr lang="en-US" smtClean="0"/>
               <a:pPr/>
-              <a:t>8/25/2013</a:t>
+              <a:t>8/29/2013</a:t>
             </a:fld>
             <a:endParaRPr lang="en-US"/>
           </a:p>
@@ -6083,6 +6083,13 @@
   <p:clrMapOvr>
     <a:masterClrMapping/>
   </p:clrMapOvr>
+  <p:timing>
+    <p:tnLst>
+      <p:par>
+        <p:cTn id="1" dur="indefinite" restart="never" nodeType="tmRoot"/>
+      </p:par>
+    </p:tnLst>
+  </p:timing>
 </p:sld>
 </file>
 
@@ -6248,6 +6255,13 @@
   <p:clrMapOvr>
     <a:masterClrMapping/>
   </p:clrMapOvr>
+  <p:timing>
+    <p:tnLst>
+      <p:par>
+        <p:cTn id="1" dur="indefinite" restart="never" nodeType="tmRoot"/>
+      </p:par>
+    </p:tnLst>
+  </p:timing>
 </p:sld>
 </file>
 
@@ -6455,6 +6469,13 @@
   <p:clrMapOvr>
     <a:masterClrMapping/>
   </p:clrMapOvr>
+  <p:timing>
+    <p:tnLst>
+      <p:par>
+        <p:cTn id="1" dur="indefinite" restart="never" nodeType="tmRoot"/>
+      </p:par>
+    </p:tnLst>
+  </p:timing>
 </p:sld>
 </file>
 
@@ -6579,6 +6600,13 @@
   <p:clrMapOvr>
     <a:masterClrMapping/>
   </p:clrMapOvr>
+  <p:timing>
+    <p:tnLst>
+      <p:par>
+        <p:cTn id="1" dur="indefinite" restart="never" nodeType="tmRoot"/>
+      </p:par>
+    </p:tnLst>
+  </p:timing>
 </p:sld>
 </file>
 
@@ -6703,6 +6731,13 @@
   <p:clrMapOvr>
     <a:masterClrMapping/>
   </p:clrMapOvr>
+  <p:timing>
+    <p:tnLst>
+      <p:par>
+        <p:cTn id="1" dur="indefinite" restart="never" nodeType="tmRoot"/>
+      </p:par>
+    </p:tnLst>
+  </p:timing>
 </p:sld>
 </file>
 
@@ -6875,6 +6910,13 @@
   <p:clrMapOvr>
     <a:masterClrMapping/>
   </p:clrMapOvr>
+  <p:timing>
+    <p:tnLst>
+      <p:par>
+        <p:cTn id="1" dur="indefinite" restart="never" nodeType="tmRoot"/>
+      </p:par>
+    </p:tnLst>
+  </p:timing>
 </p:sld>
 </file>
 
@@ -6999,6 +7041,13 @@
   <p:clrMapOvr>
     <a:masterClrMapping/>
   </p:clrMapOvr>
+  <p:timing>
+    <p:tnLst>
+      <p:par>
+        <p:cTn id="1" dur="indefinite" restart="never" nodeType="tmRoot"/>
+      </p:par>
+    </p:tnLst>
+  </p:timing>
 </p:sld>
 </file>
 
@@ -7071,17 +7120,28 @@
           <a:p>
             <a:r>
               <a:rPr lang="en-US" dirty="0" smtClean="0"/>
-              <a:t>ACPI 2.0 – July 2000</a:t>
-            </a:r>
-          </a:p>
-          <a:p>
+              <a:t>ACPI 2.0 – July </a:t>
+            </a:r>
             <a:r>
               <a:rPr lang="en-US" dirty="0" smtClean="0"/>
-              <a:t>ACPI </a:t>
-            </a:r>
-            <a:r>
-              <a:rPr lang="en-US" smtClean="0"/>
-              <a:t>4.0a – April 2010</a:t>
+              <a:t>2000</a:t>
+            </a:r>
+            <a:endParaRPr lang="en-US" dirty="0" smtClean="0"/>
+          </a:p>
+          <a:p>
+            <a:r>
+              <a:rPr lang="en-US" dirty="0" smtClean="0"/>
+              <a:t>ACPI 4.0a – April </a:t>
+            </a:r>
+            <a:r>
+              <a:rPr lang="en-US" dirty="0" smtClean="0"/>
+              <a:t>2010</a:t>
+            </a:r>
+          </a:p>
+          <a:p>
+            <a:r>
+              <a:rPr lang="en-US" smtClean="0"/>
+              <a:t>ACPI 5.0 – December 2011</a:t>
             </a:r>
             <a:endParaRPr lang="he-IL" dirty="0"/>
           </a:p>
@@ -7144,6 +7204,13 @@
   <p:clrMapOvr>
     <a:masterClrMapping/>
   </p:clrMapOvr>
+  <p:timing>
+    <p:tnLst>
+      <p:par>
+        <p:cTn id="1" dur="indefinite" restart="never" nodeType="tmRoot"/>
+      </p:par>
+    </p:tnLst>
+  </p:timing>
 </p:sld>
 </file>
 
